--- a/template.pptx
+++ b/template.pptx
@@ -5,10 +5,10 @@
     <p:sldMasterId id="2147483649" r:id="rId1"/>
   </p:sldMasterIdLst>
   <p:notesMasterIdLst>
-    <p:notesMasterId r:id="rId11"/>
+    <p:notesMasterId r:id="rId12"/>
   </p:notesMasterIdLst>
   <p:handoutMasterIdLst>
-    <p:handoutMasterId r:id="rId12"/>
+    <p:handoutMasterId r:id="rId13"/>
   </p:handoutMasterIdLst>
   <p:sldIdLst>
     <p:sldId id="256" r:id="rId2"/>
@@ -19,12 +19,13 @@
     <p:sldId id="262" r:id="rId7"/>
     <p:sldId id="263" r:id="rId8"/>
     <p:sldId id="264" r:id="rId9"/>
-    <p:sldId id="259" r:id="rId10"/>
+    <p:sldId id="265" r:id="rId10"/>
+    <p:sldId id="259" r:id="rId11"/>
   </p:sldIdLst>
   <p:sldSz cx="9144000" cy="6858000" type="screen4x3"/>
   <p:notesSz cx="7099300" cy="10234613"/>
   <p:custDataLst>
-    <p:tags r:id="rId13"/>
+    <p:tags r:id="rId14"/>
   </p:custDataLst>
   <p:defaultTextStyle>
     <a:defPPr>
@@ -3920,6 +3921,515 @@
               <a:rPr lang="en-US" sz="2400" b="1" dirty="0"/>
               <a:t>Voice imitation with VQ-VAE</a:t>
             </a:r>
+          </a:p>
+        </p:txBody>
+      </p:sp>
+    </p:spTree>
+  </p:cSld>
+  <p:clrMapOvr>
+    <a:masterClrMapping/>
+  </p:clrMapOvr>
+</p:sld>
+</file>
+
+<file path=ppt/slides/slide10.xml><?xml version="1.0" encoding="utf-8"?>
+<p:sld xmlns:a="http://schemas.openxmlformats.org/drawingml/2006/main" xmlns:r="http://schemas.openxmlformats.org/officeDocument/2006/relationships" xmlns:p="http://schemas.openxmlformats.org/presentationml/2006/main">
+  <p:cSld>
+    <p:spTree>
+      <p:nvGrpSpPr>
+        <p:cNvPr id="1" name=""/>
+        <p:cNvGrpSpPr/>
+        <p:nvPr/>
+      </p:nvGrpSpPr>
+      <p:grpSpPr>
+        <a:xfrm>
+          <a:off x="0" y="0"/>
+          <a:ext cx="0" cy="0"/>
+          <a:chOff x="0" y="0"/>
+          <a:chExt cx="0" cy="0"/>
+        </a:xfrm>
+      </p:grpSpPr>
+      <p:sp>
+        <p:nvSpPr>
+          <p:cNvPr id="794626" name="Rectangle 2"/>
+          <p:cNvSpPr>
+            <a:spLocks noGrp="1" noChangeArrowheads="1"/>
+          </p:cNvSpPr>
+          <p:nvPr>
+            <p:ph type="title"/>
+          </p:nvPr>
+        </p:nvSpPr>
+        <p:spPr/>
+        <p:txBody>
+          <a:bodyPr/>
+          <a:lstStyle/>
+          <a:p>
+            <a:r>
+              <a:rPr lang="en-US"/>
+              <a:t>References</a:t>
+            </a:r>
+          </a:p>
+        </p:txBody>
+      </p:sp>
+      <p:sp>
+        <p:nvSpPr>
+          <p:cNvPr id="794627" name="Text Box 3"/>
+          <p:cNvSpPr txBox="1">
+            <a:spLocks noChangeArrowheads="1"/>
+          </p:cNvSpPr>
+          <p:nvPr/>
+        </p:nvSpPr>
+        <p:spPr bwMode="auto">
+          <a:xfrm>
+            <a:off x="762000" y="1954213"/>
+            <a:ext cx="8309582" cy="1569660"/>
+          </a:xfrm>
+          <a:prstGeom prst="rect">
+            <a:avLst/>
+          </a:prstGeom>
+          <a:noFill/>
+          <a:ln w="9525">
+            <a:noFill/>
+            <a:miter lim="800000"/>
+            <a:headEnd/>
+            <a:tailEnd/>
+          </a:ln>
+          <a:effectLst/>
+        </p:spPr>
+        <p:txBody>
+          <a:bodyPr wrap="none">
+            <a:spAutoFit/>
+          </a:bodyPr>
+          <a:lstStyle/>
+          <a:p>
+            <a:pPr>
+              <a:buClr>
+                <a:srgbClr val="003399"/>
+              </a:buClr>
+              <a:buFont typeface="Wingdings" pitchFamily="2" charset="2"/>
+              <a:buChar char="q"/>
+            </a:pPr>
+            <a:r>
+              <a:rPr lang="en-US" sz="1600" dirty="0"/>
+              <a:t> [Vae1] Van Den Oord, A., &amp; </a:t>
+            </a:r>
+            <a:r>
+              <a:rPr lang="en-US" sz="1600" dirty="0" err="1"/>
+              <a:t>Vinyals</a:t>
+            </a:r>
+            <a:r>
+              <a:rPr lang="en-US" sz="1600" dirty="0"/>
+              <a:t>, O. (2017). Neural discrete representation learning.</a:t>
+            </a:r>
+          </a:p>
+          <a:p>
+            <a:pPr>
+              <a:buClr>
+                <a:srgbClr val="003399"/>
+              </a:buClr>
+            </a:pPr>
+            <a:r>
+              <a:rPr lang="en-US" sz="1600" dirty="0"/>
+              <a:t>	 Advances in neural information processing systems, 30.</a:t>
+            </a:r>
+          </a:p>
+          <a:p>
+            <a:pPr>
+              <a:buClr>
+                <a:srgbClr val="003399"/>
+              </a:buClr>
+              <a:buFont typeface="Wingdings" pitchFamily="2" charset="2"/>
+              <a:buChar char="q"/>
+            </a:pPr>
+            <a:r>
+              <a:rPr lang="en-US" sz="1600" dirty="0"/>
+              <a:t> [Vae2] Ding, </a:t>
+            </a:r>
+            <a:r>
+              <a:rPr lang="en-US" sz="1600" dirty="0" err="1"/>
+              <a:t>Shaojin</a:t>
+            </a:r>
+            <a:r>
+              <a:rPr lang="en-US" sz="1600" dirty="0"/>
+              <a:t>, and Ricardo Gutierrez-Osuna. "Group Latent Embedding for </a:t>
+            </a:r>
+          </a:p>
+          <a:p>
+            <a:pPr>
+              <a:buClr>
+                <a:srgbClr val="003399"/>
+              </a:buClr>
+            </a:pPr>
+            <a:r>
+              <a:rPr lang="en-US" sz="1600" dirty="0"/>
+              <a:t>	Vector Quantized Variational Autoencoder </a:t>
+            </a:r>
+          </a:p>
+          <a:p>
+            <a:pPr>
+              <a:buClr>
+                <a:srgbClr val="003399"/>
+              </a:buClr>
+            </a:pPr>
+            <a:r>
+              <a:rPr lang="en-US" sz="1600" dirty="0"/>
+              <a:t>	in Non-Parallel Voice Conversion." </a:t>
+            </a:r>
+            <a:r>
+              <a:rPr lang="en-US" sz="1600" dirty="0" err="1"/>
+              <a:t>Interspeech</a:t>
+            </a:r>
+            <a:r>
+              <a:rPr lang="en-US" sz="1600" dirty="0"/>
+              <a:t>. 2019.</a:t>
+            </a:r>
+          </a:p>
+          <a:p>
+            <a:pPr>
+              <a:buClr>
+                <a:srgbClr val="003399"/>
+              </a:buClr>
+              <a:buFont typeface="Wingdings" pitchFamily="2" charset="2"/>
+              <a:buChar char="q"/>
+            </a:pPr>
+            <a:endParaRPr lang="en-US" sz="1600" dirty="0"/>
+          </a:p>
+        </p:txBody>
+      </p:sp>
+      <p:sp>
+        <p:nvSpPr>
+          <p:cNvPr id="794628" name="Text Box 4"/>
+          <p:cNvSpPr txBox="1">
+            <a:spLocks noChangeArrowheads="1"/>
+          </p:cNvSpPr>
+          <p:nvPr/>
+        </p:nvSpPr>
+        <p:spPr bwMode="auto">
+          <a:xfrm>
+            <a:off x="381000" y="1606550"/>
+            <a:ext cx="2860655" cy="369332"/>
+          </a:xfrm>
+          <a:prstGeom prst="rect">
+            <a:avLst/>
+          </a:prstGeom>
+          <a:noFill/>
+          <a:ln w="9525">
+            <a:noFill/>
+            <a:miter lim="800000"/>
+            <a:headEnd/>
+            <a:tailEnd/>
+          </a:ln>
+          <a:effectLst/>
+        </p:spPr>
+        <p:txBody>
+          <a:bodyPr wrap="none">
+            <a:spAutoFit/>
+          </a:bodyPr>
+          <a:lstStyle/>
+          <a:p>
+            <a:r>
+              <a:rPr lang="en-US" sz="1800" dirty="0"/>
+              <a:t>Variational Autoencoders :</a:t>
+            </a:r>
+          </a:p>
+        </p:txBody>
+      </p:sp>
+      <p:sp>
+        <p:nvSpPr>
+          <p:cNvPr id="794629" name="Text Box 5"/>
+          <p:cNvSpPr txBox="1">
+            <a:spLocks noChangeArrowheads="1"/>
+          </p:cNvSpPr>
+          <p:nvPr/>
+        </p:nvSpPr>
+        <p:spPr bwMode="auto">
+          <a:xfrm>
+            <a:off x="779463" y="3701624"/>
+            <a:ext cx="8305735" cy="1169551"/>
+          </a:xfrm>
+          <a:prstGeom prst="rect">
+            <a:avLst/>
+          </a:prstGeom>
+          <a:noFill/>
+          <a:ln w="9525">
+            <a:noFill/>
+            <a:miter lim="800000"/>
+            <a:headEnd/>
+            <a:tailEnd/>
+          </a:ln>
+          <a:effectLst/>
+        </p:spPr>
+        <p:txBody>
+          <a:bodyPr wrap="none">
+            <a:spAutoFit/>
+          </a:bodyPr>
+          <a:lstStyle/>
+          <a:p>
+            <a:pPr>
+              <a:buClr>
+                <a:srgbClr val="000099"/>
+              </a:buClr>
+              <a:buFont typeface="Wingdings" pitchFamily="2" charset="2"/>
+              <a:buChar char="q"/>
+            </a:pPr>
+            <a:r>
+              <a:rPr lang="en-US" sz="1600" dirty="0"/>
+              <a:t> [Cnn1] LeCun, Yann, et al. "Gradient-based learning applied to document recognition." </a:t>
+            </a:r>
+          </a:p>
+          <a:p>
+            <a:pPr>
+              <a:buClr>
+                <a:srgbClr val="000099"/>
+              </a:buClr>
+            </a:pPr>
+            <a:r>
+              <a:rPr lang="en-US" sz="1600" dirty="0"/>
+              <a:t>	Proceedings of the IEEE 86.11 (1998): 2278-2324.</a:t>
+            </a:r>
+            <a:endParaRPr lang="en-US" sz="1800" dirty="0"/>
+          </a:p>
+          <a:p>
+            <a:pPr>
+              <a:buClr>
+                <a:srgbClr val="000099"/>
+              </a:buClr>
+              <a:buFont typeface="Wingdings" pitchFamily="2" charset="2"/>
+              <a:buNone/>
+            </a:pPr>
+            <a:r>
+              <a:rPr lang="en-US" sz="600" dirty="0"/>
+              <a:t>   </a:t>
+            </a:r>
+            <a:endParaRPr lang="en-US" sz="1600" dirty="0"/>
+          </a:p>
+          <a:p>
+            <a:pPr>
+              <a:buClr>
+                <a:srgbClr val="000099"/>
+              </a:buClr>
+              <a:buFont typeface="Wingdings" pitchFamily="2" charset="2"/>
+              <a:buChar char="q"/>
+            </a:pPr>
+            <a:r>
+              <a:rPr lang="en-US" sz="1600" dirty="0"/>
+              <a:t> [Cnn2] Oord, Aaron van den, et al. "</a:t>
+            </a:r>
+            <a:r>
+              <a:rPr lang="en-US" sz="1600" dirty="0" err="1"/>
+              <a:t>Wavenet</a:t>
+            </a:r>
+            <a:r>
+              <a:rPr lang="en-US" sz="1600" dirty="0"/>
+              <a:t>: A generative model for raw audio." </a:t>
+            </a:r>
+          </a:p>
+          <a:p>
+            <a:pPr>
+              <a:buClr>
+                <a:srgbClr val="000099"/>
+              </a:buClr>
+            </a:pPr>
+            <a:r>
+              <a:rPr lang="en-US" sz="1600" dirty="0"/>
+              <a:t>	</a:t>
+            </a:r>
+            <a:r>
+              <a:rPr lang="en-US" sz="1600" dirty="0" err="1"/>
+              <a:t>arXiv</a:t>
+            </a:r>
+            <a:r>
+              <a:rPr lang="en-US" sz="1600" dirty="0"/>
+              <a:t> preprint arXiv:1609.03499 (2016).</a:t>
+            </a:r>
+            <a:endParaRPr lang="en-US" sz="600" dirty="0"/>
+          </a:p>
+        </p:txBody>
+      </p:sp>
+      <p:sp>
+        <p:nvSpPr>
+          <p:cNvPr id="794630" name="Text Box 6"/>
+          <p:cNvSpPr txBox="1">
+            <a:spLocks noChangeArrowheads="1"/>
+          </p:cNvSpPr>
+          <p:nvPr/>
+        </p:nvSpPr>
+        <p:spPr bwMode="auto">
+          <a:xfrm>
+            <a:off x="381000" y="3311099"/>
+            <a:ext cx="3480440" cy="369332"/>
+          </a:xfrm>
+          <a:prstGeom prst="rect">
+            <a:avLst/>
+          </a:prstGeom>
+          <a:noFill/>
+          <a:ln w="9525">
+            <a:noFill/>
+            <a:miter lim="800000"/>
+            <a:headEnd/>
+            <a:tailEnd/>
+          </a:ln>
+          <a:effectLst/>
+        </p:spPr>
+        <p:txBody>
+          <a:bodyPr wrap="none">
+            <a:spAutoFit/>
+          </a:bodyPr>
+          <a:lstStyle/>
+          <a:p>
+            <a:r>
+              <a:rPr lang="en-US" sz="1800" dirty="0"/>
+              <a:t>Convolutional Neural Networks :</a:t>
+            </a:r>
+          </a:p>
+        </p:txBody>
+      </p:sp>
+      <p:sp>
+        <p:nvSpPr>
+          <p:cNvPr id="794631" name="Text Box 7"/>
+          <p:cNvSpPr txBox="1">
+            <a:spLocks noChangeArrowheads="1"/>
+          </p:cNvSpPr>
+          <p:nvPr/>
+        </p:nvSpPr>
+        <p:spPr bwMode="auto">
+          <a:xfrm>
+            <a:off x="381000" y="4892368"/>
+            <a:ext cx="1005403" cy="369332"/>
+          </a:xfrm>
+          <a:prstGeom prst="rect">
+            <a:avLst/>
+          </a:prstGeom>
+          <a:noFill/>
+          <a:ln w="9525">
+            <a:noFill/>
+            <a:miter lim="800000"/>
+            <a:headEnd/>
+            <a:tailEnd/>
+          </a:ln>
+          <a:effectLst/>
+        </p:spPr>
+        <p:txBody>
+          <a:bodyPr wrap="none">
+            <a:spAutoFit/>
+          </a:bodyPr>
+          <a:lstStyle/>
+          <a:p>
+            <a:r>
+              <a:rPr lang="en-US" sz="1800" dirty="0"/>
+              <a:t>Images:</a:t>
+            </a:r>
+          </a:p>
+        </p:txBody>
+      </p:sp>
+      <p:sp>
+        <p:nvSpPr>
+          <p:cNvPr id="794632" name="Text Box 8"/>
+          <p:cNvSpPr txBox="1">
+            <a:spLocks noChangeArrowheads="1"/>
+          </p:cNvSpPr>
+          <p:nvPr/>
+        </p:nvSpPr>
+        <p:spPr bwMode="auto">
+          <a:xfrm>
+            <a:off x="779463" y="5261700"/>
+            <a:ext cx="7314182" cy="923330"/>
+          </a:xfrm>
+          <a:prstGeom prst="rect">
+            <a:avLst/>
+          </a:prstGeom>
+          <a:noFill/>
+          <a:ln w="9525">
+            <a:noFill/>
+            <a:miter lim="800000"/>
+            <a:headEnd/>
+            <a:tailEnd/>
+          </a:ln>
+          <a:effectLst/>
+        </p:spPr>
+        <p:txBody>
+          <a:bodyPr wrap="none">
+            <a:spAutoFit/>
+          </a:bodyPr>
+          <a:lstStyle/>
+          <a:p>
+            <a:pPr>
+              <a:buClr>
+                <a:srgbClr val="000099"/>
+              </a:buClr>
+              <a:buFont typeface="Wingdings" pitchFamily="2" charset="2"/>
+              <a:buChar char="q"/>
+            </a:pPr>
+            <a:r>
+              <a:rPr lang="en-US" sz="1600" dirty="0"/>
+              <a:t> [Im1] </a:t>
+            </a:r>
+            <a:r>
+              <a:rPr lang="en-DE" sz="1600" dirty="0"/>
+              <a:t>Michela </a:t>
+            </a:r>
+            <a:r>
+              <a:rPr lang="en-DE" sz="1600" dirty="0" err="1"/>
+              <a:t>Massi</a:t>
+            </a:r>
+            <a:r>
+              <a:rPr lang="en-DE" sz="1600" dirty="0"/>
+              <a:t> – </a:t>
+            </a:r>
+            <a:r>
+              <a:rPr lang="en-US" sz="1600" dirty="0"/>
+              <a:t>Own Work</a:t>
+            </a:r>
+            <a:r>
+              <a:rPr lang="en-DE" sz="1600" dirty="0"/>
+              <a:t>, CC BY-SA 4.0, </a:t>
+            </a:r>
+            <a:endParaRPr lang="en-US" sz="1600" dirty="0"/>
+          </a:p>
+          <a:p>
+            <a:pPr lvl="1">
+              <a:buClr>
+                <a:srgbClr val="000099"/>
+              </a:buClr>
+            </a:pPr>
+            <a:r>
+              <a:rPr lang="en-DE" sz="1600" dirty="0"/>
+              <a:t>https://commons.wikimedia.org/w/index.php?curid=80177333</a:t>
+            </a:r>
+            <a:r>
+              <a:rPr lang="en-US" sz="600" dirty="0"/>
+              <a:t>   </a:t>
+            </a:r>
+          </a:p>
+          <a:p>
+            <a:pPr>
+              <a:buClr>
+                <a:srgbClr val="000099"/>
+              </a:buClr>
+              <a:buFont typeface="Wingdings" pitchFamily="2" charset="2"/>
+              <a:buChar char="q"/>
+            </a:pPr>
+            <a:r>
+              <a:rPr lang="en-US" sz="1600" dirty="0">
+                <a:cs typeface="Times New Roman" pitchFamily="18" charset="0"/>
+              </a:rPr>
+              <a:t> [lm2] Anh H. Reynolds – Own Work, https://anhreynolds.com/blogs/cnn.html</a:t>
+            </a:r>
+            <a:endParaRPr lang="en-US" sz="1600" dirty="0"/>
+          </a:p>
+          <a:p>
+            <a:pPr>
+              <a:buClr>
+                <a:srgbClr val="000099"/>
+              </a:buClr>
+              <a:buFont typeface="Wingdings" pitchFamily="2" charset="2"/>
+              <a:buNone/>
+            </a:pPr>
+            <a:r>
+              <a:rPr lang="en-US" sz="600" dirty="0"/>
+              <a:t>   </a:t>
+            </a:r>
+            <a:endParaRPr lang="en-US" sz="1600" dirty="0"/>
           </a:p>
         </p:txBody>
       </p:sp>
@@ -7496,21 +8006,222 @@
                                   </p:childTnLst>
                                 </p:cTn>
                               </p:par>
+                            </p:childTnLst>
+                          </p:cTn>
+                        </p:par>
+                      </p:childTnLst>
+                    </p:cTn>
+                  </p:par>
+                  <p:par>
+                    <p:cTn id="7" fill="hold">
+                      <p:stCondLst>
+                        <p:cond delay="indefinite"/>
+                      </p:stCondLst>
+                      <p:childTnLst>
+                        <p:par>
+                          <p:cTn id="8" fill="hold">
+                            <p:stCondLst>
+                              <p:cond delay="0"/>
+                            </p:stCondLst>
+                            <p:childTnLst>
                               <p:par>
-                                <p:cTn id="7" presetID="1" presetClass="entr" presetSubtype="0" fill="hold" grpId="0" nodeType="withEffect">
+                                <p:cTn id="9" presetID="1" presetClass="entr" presetSubtype="0" fill="hold" grpId="0" nodeType="clickEffect">
                                   <p:stCondLst>
                                     <p:cond delay="0"/>
                                   </p:stCondLst>
                                   <p:childTnLst>
                                     <p:set>
                                       <p:cBhvr>
-                                        <p:cTn id="8" dur="1" fill="hold">
+                                        <p:cTn id="10" dur="1" fill="hold">
+                                          <p:stCondLst>
+                                            <p:cond delay="0"/>
+                                          </p:stCondLst>
+                                        </p:cTn>
+                                        <p:tgtEl>
+                                          <p:spTgt spid="5">
+                                            <p:txEl>
+                                              <p:charRg st="108" end="192"/>
+                                            </p:txEl>
+                                          </p:spTgt>
+                                        </p:tgtEl>
+                                        <p:attrNameLst>
+                                          <p:attrName>style.visibility</p:attrName>
+                                        </p:attrNameLst>
+                                      </p:cBhvr>
+                                      <p:to>
+                                        <p:strVal val="visible"/>
+                                      </p:to>
+                                    </p:set>
+                                  </p:childTnLst>
+                                </p:cTn>
+                              </p:par>
+                              <p:par>
+                                <p:cTn id="11" presetID="1" presetClass="entr" presetSubtype="0" fill="hold" nodeType="withEffect">
+                                  <p:stCondLst>
+                                    <p:cond delay="0"/>
+                                  </p:stCondLst>
+                                  <p:childTnLst>
+                                    <p:set>
+                                      <p:cBhvr>
+                                        <p:cTn id="12" dur="1" fill="hold">
+                                          <p:stCondLst>
+                                            <p:cond delay="0"/>
+                                          </p:stCondLst>
+                                        </p:cTn>
+                                        <p:tgtEl>
+                                          <p:spTgt spid="3"/>
+                                        </p:tgtEl>
+                                        <p:attrNameLst>
+                                          <p:attrName>style.visibility</p:attrName>
+                                        </p:attrNameLst>
+                                      </p:cBhvr>
+                                      <p:to>
+                                        <p:strVal val="visible"/>
+                                      </p:to>
+                                    </p:set>
+                                  </p:childTnLst>
+                                </p:cTn>
+                              </p:par>
+                              <p:par>
+                                <p:cTn id="13" presetID="1" presetClass="entr" presetSubtype="0" fill="hold" nodeType="withEffect">
+                                  <p:stCondLst>
+                                    <p:cond delay="0"/>
+                                  </p:stCondLst>
+                                  <p:childTnLst>
+                                    <p:set>
+                                      <p:cBhvr>
+                                        <p:cTn id="14" dur="1" fill="hold">
+                                          <p:stCondLst>
+                                            <p:cond delay="0"/>
+                                          </p:stCondLst>
+                                        </p:cTn>
+                                        <p:tgtEl>
+                                          <p:spTgt spid="7"/>
+                                        </p:tgtEl>
+                                        <p:attrNameLst>
+                                          <p:attrName>style.visibility</p:attrName>
+                                        </p:attrNameLst>
+                                      </p:cBhvr>
+                                      <p:to>
+                                        <p:strVal val="visible"/>
+                                      </p:to>
+                                    </p:set>
+                                  </p:childTnLst>
+                                </p:cTn>
+                              </p:par>
+                              <p:par>
+                                <p:cTn id="15" presetID="1" presetClass="entr" presetSubtype="0" fill="hold" grpId="0" nodeType="withEffect">
+                                  <p:stCondLst>
+                                    <p:cond delay="0"/>
+                                  </p:stCondLst>
+                                  <p:childTnLst>
+                                    <p:set>
+                                      <p:cBhvr>
+                                        <p:cTn id="16" dur="1" fill="hold">
                                           <p:stCondLst>
                                             <p:cond delay="0"/>
                                           </p:stCondLst>
                                         </p:cTn>
                                         <p:tgtEl>
                                           <p:spTgt spid="4"/>
+                                        </p:tgtEl>
+                                        <p:attrNameLst>
+                                          <p:attrName>style.visibility</p:attrName>
+                                        </p:attrNameLst>
+                                      </p:cBhvr>
+                                      <p:to>
+                                        <p:strVal val="visible"/>
+                                      </p:to>
+                                    </p:set>
+                                  </p:childTnLst>
+                                </p:cTn>
+                              </p:par>
+                            </p:childTnLst>
+                          </p:cTn>
+                        </p:par>
+                      </p:childTnLst>
+                    </p:cTn>
+                  </p:par>
+                  <p:par>
+                    <p:cTn id="17" fill="hold">
+                      <p:stCondLst>
+                        <p:cond delay="indefinite"/>
+                      </p:stCondLst>
+                      <p:childTnLst>
+                        <p:par>
+                          <p:cTn id="18" fill="hold">
+                            <p:stCondLst>
+                              <p:cond delay="0"/>
+                            </p:stCondLst>
+                            <p:childTnLst>
+                              <p:par>
+                                <p:cTn id="19" presetID="1" presetClass="entr" presetSubtype="0" fill="hold" grpId="0" nodeType="clickEffect">
+                                  <p:stCondLst>
+                                    <p:cond delay="0"/>
+                                  </p:stCondLst>
+                                  <p:childTnLst>
+                                    <p:set>
+                                      <p:cBhvr>
+                                        <p:cTn id="20" dur="1" fill="hold">
+                                          <p:stCondLst>
+                                            <p:cond delay="0"/>
+                                          </p:stCondLst>
+                                        </p:cTn>
+                                        <p:tgtEl>
+                                          <p:spTgt spid="5">
+                                            <p:txEl>
+                                              <p:charRg st="193" end="269"/>
+                                            </p:txEl>
+                                          </p:spTgt>
+                                        </p:tgtEl>
+                                        <p:attrNameLst>
+                                          <p:attrName>style.visibility</p:attrName>
+                                        </p:attrNameLst>
+                                      </p:cBhvr>
+                                      <p:to>
+                                        <p:strVal val="visible"/>
+                                      </p:to>
+                                    </p:set>
+                                  </p:childTnLst>
+                                </p:cTn>
+                              </p:par>
+                            </p:childTnLst>
+                          </p:cTn>
+                        </p:par>
+                      </p:childTnLst>
+                    </p:cTn>
+                  </p:par>
+                  <p:par>
+                    <p:cTn id="21" fill="hold">
+                      <p:stCondLst>
+                        <p:cond delay="indefinite"/>
+                      </p:stCondLst>
+                      <p:childTnLst>
+                        <p:par>
+                          <p:cTn id="22" fill="hold">
+                            <p:stCondLst>
+                              <p:cond delay="0"/>
+                            </p:stCondLst>
+                            <p:childTnLst>
+                              <p:par>
+                                <p:cTn id="23" presetID="1" presetClass="entr" presetSubtype="0" fill="hold" grpId="0" nodeType="clickEffect">
+                                  <p:stCondLst>
+                                    <p:cond delay="0"/>
+                                  </p:stCondLst>
+                                  <p:childTnLst>
+                                    <p:set>
+                                      <p:cBhvr>
+                                        <p:cTn id="24" dur="1" fill="hold">
+                                          <p:stCondLst>
+                                            <p:cond delay="0"/>
+                                          </p:stCondLst>
+                                        </p:cTn>
+                                        <p:tgtEl>
+                                          <p:spTgt spid="5">
+                                            <p:txEl>
+                                              <p:charRg st="270" end="447"/>
+                                            </p:txEl>
+                                          </p:spTgt>
                                         </p:tgtEl>
                                         <p:attrNameLst>
                                           <p:attrName>style.visibility</p:attrName>
@@ -7888,26 +8599,35 @@
                                   </p:childTnLst>
                                 </p:cTn>
                               </p:par>
-                            </p:childTnLst>
-                          </p:cTn>
-                        </p:par>
-                      </p:childTnLst>
-                    </p:cTn>
-                  </p:par>
-                  <p:par>
-                    <p:cTn id="7" fill="hold">
-                      <p:stCondLst>
-                        <p:cond delay="indefinite"/>
-                      </p:stCondLst>
-                      <p:childTnLst>
-                        <p:par>
-                          <p:cTn id="8" fill="hold">
-                            <p:stCondLst>
-                              <p:cond delay="0"/>
-                            </p:stCondLst>
-                            <p:childTnLst>
                               <p:par>
-                                <p:cTn id="9" presetID="1" presetClass="entr" presetSubtype="0" fill="hold" grpId="0" nodeType="clickEffect">
+                                <p:cTn id="7" presetID="1" presetClass="entr" presetSubtype="0" fill="hold" nodeType="withEffect">
+                                  <p:stCondLst>
+                                    <p:cond delay="0"/>
+                                  </p:stCondLst>
+                                  <p:childTnLst>
+                                    <p:set>
+                                      <p:cBhvr>
+                                        <p:cTn id="8" dur="1" fill="hold">
+                                          <p:stCondLst>
+                                            <p:cond delay="0"/>
+                                          </p:stCondLst>
+                                        </p:cTn>
+                                        <p:tgtEl>
+                                          <p:spTgt spid="7"/>
+                                        </p:tgtEl>
+                                        <p:attrNameLst>
+                                          <p:attrName>style.visibility</p:attrName>
+                                        </p:attrNameLst>
+                                      </p:cBhvr>
+                                      <p:to>
+                                        <p:strVal val="visible"/>
+                                      </p:to>
+                                    </p:set>
+                                  </p:childTnLst>
+                                </p:cTn>
+                              </p:par>
+                              <p:par>
+                                <p:cTn id="9" presetID="1" presetClass="entr" presetSubtype="0" fill="hold" grpId="0" nodeType="withEffect">
                                   <p:stCondLst>
                                     <p:cond delay="0"/>
                                   </p:stCondLst>
@@ -7920,11 +8640,7 @@
                                           </p:stCondLst>
                                         </p:cTn>
                                         <p:tgtEl>
-                                          <p:spTgt spid="5">
-                                            <p:txEl>
-                                              <p:pRg st="2" end="2"/>
-                                            </p:txEl>
-                                          </p:spTgt>
+                                          <p:spTgt spid="4"/>
                                         </p:tgtEl>
                                         <p:attrNameLst>
                                           <p:attrName>style.visibility</p:attrName>
@@ -7971,7 +8687,7 @@
                                         <p:tgtEl>
                                           <p:spTgt spid="5">
                                             <p:txEl>
-                                              <p:pRg st="4" end="4"/>
+                                              <p:pRg st="2" end="2"/>
                                             </p:txEl>
                                           </p:spTgt>
                                         </p:tgtEl>
@@ -8020,7 +8736,7 @@
                                         <p:tgtEl>
                                           <p:spTgt spid="5">
                                             <p:txEl>
-                                              <p:pRg st="6" end="6"/>
+                                              <p:pRg st="4" end="4"/>
                                             </p:txEl>
                                           </p:spTgt>
                                         </p:tgtEl>
@@ -8035,21 +8751,43 @@
                                   </p:childTnLst>
                                 </p:cTn>
                               </p:par>
+                            </p:childTnLst>
+                          </p:cTn>
+                        </p:par>
+                      </p:childTnLst>
+                    </p:cTn>
+                  </p:par>
+                  <p:par>
+                    <p:cTn id="19" fill="hold">
+                      <p:stCondLst>
+                        <p:cond delay="indefinite"/>
+                      </p:stCondLst>
+                      <p:childTnLst>
+                        <p:par>
+                          <p:cTn id="20" fill="hold">
+                            <p:stCondLst>
+                              <p:cond delay="0"/>
+                            </p:stCondLst>
+                            <p:childTnLst>
                               <p:par>
-                                <p:cTn id="19" presetID="1" presetClass="entr" presetSubtype="0" fill="hold" grpId="0" nodeType="withEffect">
+                                <p:cTn id="21" presetID="1" presetClass="entr" presetSubtype="0" fill="hold" grpId="0" nodeType="clickEffect">
                                   <p:stCondLst>
                                     <p:cond delay="0"/>
                                   </p:stCondLst>
                                   <p:childTnLst>
                                     <p:set>
                                       <p:cBhvr>
-                                        <p:cTn id="20" dur="1" fill="hold">
+                                        <p:cTn id="22" dur="1" fill="hold">
                                           <p:stCondLst>
                                             <p:cond delay="0"/>
                                           </p:stCondLst>
                                         </p:cTn>
                                         <p:tgtEl>
-                                          <p:spTgt spid="4"/>
+                                          <p:spTgt spid="5">
+                                            <p:txEl>
+                                              <p:pRg st="6" end="6"/>
+                                            </p:txEl>
+                                          </p:spTgt>
                                         </p:tgtEl>
                                         <p:attrNameLst>
                                           <p:attrName>style.visibility</p:attrName>
@@ -8116,7 +8854,7 @@
       </p:grpSpPr>
       <p:sp>
         <p:nvSpPr>
-          <p:cNvPr id="794626" name="Rectangle 2"/>
+          <p:cNvPr id="793602" name="Rectangle 2"/>
           <p:cNvSpPr>
             <a:spLocks noGrp="1" noChangeArrowheads="1"/>
           </p:cNvSpPr>
@@ -8129,480 +8867,623 @@
           <a:bodyPr/>
           <a:lstStyle/>
           <a:p>
-            <a:r>
-              <a:rPr lang="en-US"/>
-              <a:t>References</a:t>
+            <a:pPr marL="0" indent="0">
+              <a:buClr>
+                <a:srgbClr val="000099"/>
+              </a:buClr>
+            </a:pPr>
+            <a:r>
+              <a:rPr lang="en-US" sz="2000" dirty="0"/>
+              <a:t>Demonstration</a:t>
             </a:r>
           </a:p>
         </p:txBody>
       </p:sp>
       <p:sp>
         <p:nvSpPr>
-          <p:cNvPr id="794627" name="Text Box 3"/>
-          <p:cNvSpPr txBox="1">
-            <a:spLocks noChangeArrowheads="1"/>
-          </p:cNvSpPr>
+          <p:cNvPr id="2" name="Rectangle 1">
+            <a:extLst>
+              <a:ext uri="{FF2B5EF4-FFF2-40B4-BE49-F238E27FC236}">
+                <a16:creationId xmlns:a16="http://schemas.microsoft.com/office/drawing/2014/main" id="{1B6CD8B7-AABA-C2C0-7AB4-422F4272F625}"/>
+              </a:ext>
+            </a:extLst>
+          </p:cNvPr>
+          <p:cNvSpPr/>
           <p:nvPr/>
         </p:nvSpPr>
-        <p:spPr bwMode="auto">
+        <p:spPr>
           <a:xfrm>
-            <a:off x="762000" y="1954213"/>
-            <a:ext cx="8309582" cy="1569660"/>
+            <a:off x="1540924" y="1987172"/>
+            <a:ext cx="6062152" cy="1754326"/>
           </a:xfrm>
           <a:prstGeom prst="rect">
             <a:avLst/>
           </a:prstGeom>
           <a:noFill/>
-          <a:ln w="9525">
-            <a:noFill/>
-            <a:miter lim="800000"/>
-            <a:headEnd/>
-            <a:tailEnd/>
-          </a:ln>
-          <a:effectLst/>
         </p:spPr>
         <p:txBody>
-          <a:bodyPr wrap="none">
+          <a:bodyPr wrap="square" lIns="91440" tIns="45720" rIns="91440" bIns="45720">
             <a:spAutoFit/>
           </a:bodyPr>
           <a:lstStyle/>
           <a:p>
-            <a:pPr>
-              <a:buClr>
-                <a:srgbClr val="003399"/>
-              </a:buClr>
-              <a:buFont typeface="Wingdings" pitchFamily="2" charset="2"/>
-              <a:buChar char="q"/>
-            </a:pPr>
-            <a:r>
-              <a:rPr lang="en-US" sz="1600" dirty="0"/>
-              <a:t> [Vae1] Van Den Oord, A., &amp; </a:t>
-            </a:r>
-            <a:r>
-              <a:rPr lang="en-US" sz="1600" dirty="0" err="1"/>
-              <a:t>Vinyals</a:t>
-            </a:r>
-            <a:r>
-              <a:rPr lang="en-US" sz="1600" dirty="0"/>
-              <a:t>, O. (2017). Neural discrete representation learning.</a:t>
-            </a:r>
-          </a:p>
-          <a:p>
-            <a:pPr>
-              <a:buClr>
-                <a:srgbClr val="003399"/>
-              </a:buClr>
-            </a:pPr>
-            <a:r>
-              <a:rPr lang="en-US" sz="1600" dirty="0"/>
-              <a:t>	 Advances in neural information processing systems, 30.</a:t>
-            </a:r>
-          </a:p>
-          <a:p>
-            <a:pPr>
-              <a:buClr>
-                <a:srgbClr val="003399"/>
-              </a:buClr>
-              <a:buFont typeface="Wingdings" pitchFamily="2" charset="2"/>
-              <a:buChar char="q"/>
-            </a:pPr>
-            <a:r>
-              <a:rPr lang="en-US" sz="1600" dirty="0"/>
-              <a:t> [Vae2] Ding, </a:t>
-            </a:r>
-            <a:r>
-              <a:rPr lang="en-US" sz="1600" dirty="0" err="1"/>
-              <a:t>Shaojin</a:t>
-            </a:r>
-            <a:r>
-              <a:rPr lang="en-US" sz="1600" dirty="0"/>
-              <a:t>, and Ricardo Gutierrez-Osuna. "Group Latent Embedding for </a:t>
-            </a:r>
-          </a:p>
-          <a:p>
-            <a:pPr>
-              <a:buClr>
-                <a:srgbClr val="003399"/>
-              </a:buClr>
-            </a:pPr>
-            <a:r>
-              <a:rPr lang="en-US" sz="1600" dirty="0"/>
-              <a:t>	Vector Quantized Variational Autoencoder </a:t>
-            </a:r>
-          </a:p>
-          <a:p>
-            <a:pPr>
-              <a:buClr>
-                <a:srgbClr val="003399"/>
-              </a:buClr>
-            </a:pPr>
-            <a:r>
-              <a:rPr lang="en-US" sz="1600" dirty="0"/>
-              <a:t>	in Non-Parallel Voice Conversion." </a:t>
-            </a:r>
-            <a:r>
-              <a:rPr lang="en-US" sz="1600" dirty="0" err="1"/>
-              <a:t>Interspeech</a:t>
-            </a:r>
-            <a:r>
-              <a:rPr lang="en-US" sz="1600" dirty="0"/>
-              <a:t>. 2019.</a:t>
-            </a:r>
-          </a:p>
-          <a:p>
-            <a:pPr>
-              <a:buClr>
-                <a:srgbClr val="003399"/>
-              </a:buClr>
-              <a:buFont typeface="Wingdings" pitchFamily="2" charset="2"/>
-              <a:buChar char="q"/>
-            </a:pPr>
-            <a:endParaRPr lang="en-US" sz="1600" dirty="0"/>
+            <a:pPr algn="ctr"/>
+            <a:r>
+              <a:rPr lang="en-US" sz="5400" b="1" cap="none" spc="0" dirty="0">
+                <a:ln w="12700">
+                  <a:solidFill>
+                    <a:schemeClr val="accent1"/>
+                  </a:solidFill>
+                  <a:prstDash val="solid"/>
+                </a:ln>
+                <a:pattFill prst="pct50">
+                  <a:fgClr>
+                    <a:schemeClr val="accent1"/>
+                  </a:fgClr>
+                  <a:bgClr>
+                    <a:schemeClr val="accent1">
+                      <a:lumMod val="20000"/>
+                      <a:lumOff val="80000"/>
+                    </a:schemeClr>
+                  </a:bgClr>
+                </a:pattFill>
+                <a:effectLst>
+                  <a:outerShdw dist="38100" dir="2640000" algn="bl" rotWithShape="0">
+                    <a:schemeClr val="accent1"/>
+                  </a:outerShdw>
+                </a:effectLst>
+              </a:rPr>
+              <a:t>Time for a </a:t>
+            </a:r>
+          </a:p>
+          <a:p>
+            <a:pPr algn="ctr"/>
+            <a:r>
+              <a:rPr lang="en-US" sz="5400" b="1" cap="none" spc="0" dirty="0">
+                <a:ln w="12700">
+                  <a:solidFill>
+                    <a:schemeClr val="accent1"/>
+                  </a:solidFill>
+                  <a:prstDash val="solid"/>
+                </a:ln>
+                <a:pattFill prst="pct50">
+                  <a:fgClr>
+                    <a:schemeClr val="accent1"/>
+                  </a:fgClr>
+                  <a:bgClr>
+                    <a:schemeClr val="accent1">
+                      <a:lumMod val="20000"/>
+                      <a:lumOff val="80000"/>
+                    </a:schemeClr>
+                  </a:bgClr>
+                </a:pattFill>
+                <a:effectLst>
+                  <a:outerShdw dist="38100" dir="2640000" algn="bl" rotWithShape="0">
+                    <a:schemeClr val="accent1"/>
+                  </a:outerShdw>
+                </a:effectLst>
+              </a:rPr>
+              <a:t>demonstration</a:t>
+            </a:r>
           </a:p>
         </p:txBody>
       </p:sp>
       <p:sp>
         <p:nvSpPr>
-          <p:cNvPr id="794628" name="Text Box 4"/>
-          <p:cNvSpPr txBox="1">
-            <a:spLocks noChangeArrowheads="1"/>
-          </p:cNvSpPr>
+          <p:cNvPr id="3" name="TextBox 2">
+            <a:extLst>
+              <a:ext uri="{FF2B5EF4-FFF2-40B4-BE49-F238E27FC236}">
+                <a16:creationId xmlns:a16="http://schemas.microsoft.com/office/drawing/2014/main" id="{7C5B740A-5B83-967F-0BC3-0AD95312F146}"/>
+              </a:ext>
+            </a:extLst>
+          </p:cNvPr>
+          <p:cNvSpPr txBox="1"/>
           <p:nvPr/>
         </p:nvSpPr>
-        <p:spPr bwMode="auto">
+        <p:spPr>
           <a:xfrm>
-            <a:off x="381000" y="1606550"/>
-            <a:ext cx="2860655" cy="369332"/>
+            <a:off x="558800" y="4232243"/>
+            <a:ext cx="7097086" cy="338554"/>
           </a:xfrm>
           <a:prstGeom prst="rect">
             <a:avLst/>
           </a:prstGeom>
-          <a:noFill/>
-          <a:ln w="9525">
-            <a:noFill/>
-            <a:miter lim="800000"/>
-            <a:headEnd/>
-            <a:tailEnd/>
+          <a:ln>
+            <a:solidFill>
+              <a:schemeClr val="bg1"/>
+            </a:solidFill>
           </a:ln>
-          <a:effectLst/>
         </p:spPr>
+        <p:style>
+          <a:lnRef idx="2">
+            <a:schemeClr val="accent1"/>
+          </a:lnRef>
+          <a:fillRef idx="1">
+            <a:schemeClr val="lt1"/>
+          </a:fillRef>
+          <a:effectRef idx="0">
+            <a:schemeClr val="accent1"/>
+          </a:effectRef>
+          <a:fontRef idx="minor">
+            <a:schemeClr val="dk1"/>
+          </a:fontRef>
+        </p:style>
         <p:txBody>
-          <a:bodyPr wrap="none">
+          <a:bodyPr wrap="square" rtlCol="0">
             <a:spAutoFit/>
           </a:bodyPr>
           <a:lstStyle/>
           <a:p>
             <a:r>
-              <a:rPr lang="en-US" sz="1800" dirty="0"/>
-              <a:t>Variational Autoencoders :</a:t>
+              <a:rPr lang="en-US" sz="1600" b="1" dirty="0"/>
+              <a:t>The code for the demonstration is available at :</a:t>
             </a:r>
           </a:p>
         </p:txBody>
       </p:sp>
       <p:sp>
         <p:nvSpPr>
-          <p:cNvPr id="794629" name="Text Box 5"/>
-          <p:cNvSpPr txBox="1">
-            <a:spLocks noChangeArrowheads="1"/>
-          </p:cNvSpPr>
+          <p:cNvPr id="8" name="TextBox 7">
+            <a:extLst>
+              <a:ext uri="{FF2B5EF4-FFF2-40B4-BE49-F238E27FC236}">
+                <a16:creationId xmlns:a16="http://schemas.microsoft.com/office/drawing/2014/main" id="{2B2415EE-95DD-3FD9-CA72-FEA15419C4A8}"/>
+              </a:ext>
+            </a:extLst>
+          </p:cNvPr>
+          <p:cNvSpPr txBox="1"/>
           <p:nvPr/>
         </p:nvSpPr>
-        <p:spPr bwMode="auto">
+        <p:spPr>
           <a:xfrm>
-            <a:off x="779463" y="3701624"/>
-            <a:ext cx="8305735" cy="1169551"/>
+            <a:off x="964735" y="5061542"/>
+            <a:ext cx="7390700" cy="461665"/>
           </a:xfrm>
           <a:prstGeom prst="rect">
             <a:avLst/>
           </a:prstGeom>
-          <a:noFill/>
-          <a:ln w="9525">
-            <a:noFill/>
-            <a:miter lim="800000"/>
-            <a:headEnd/>
-            <a:tailEnd/>
+          <a:solidFill>
+            <a:schemeClr val="accent1">
+              <a:lumMod val="60000"/>
+              <a:lumOff val="40000"/>
+            </a:schemeClr>
+          </a:solidFill>
+          <a:ln w="38100">
+            <a:solidFill>
+              <a:schemeClr val="accent1"/>
+            </a:solidFill>
           </a:ln>
-          <a:effectLst/>
         </p:spPr>
         <p:txBody>
-          <a:bodyPr wrap="none">
+          <a:bodyPr wrap="square">
             <a:spAutoFit/>
           </a:bodyPr>
           <a:lstStyle/>
           <a:p>
-            <a:pPr>
-              <a:buClr>
-                <a:srgbClr val="000099"/>
-              </a:buClr>
-              <a:buFont typeface="Wingdings" pitchFamily="2" charset="2"/>
-              <a:buChar char="q"/>
-            </a:pPr>
-            <a:r>
-              <a:rPr lang="en-US" sz="1600" dirty="0"/>
-              <a:t> [Cnn1] LeCun, Yann, et al. "Gradient-based learning applied to document recognition." </a:t>
-            </a:r>
-          </a:p>
-          <a:p>
-            <a:pPr>
-              <a:buClr>
-                <a:srgbClr val="000099"/>
-              </a:buClr>
-            </a:pPr>
-            <a:r>
-              <a:rPr lang="en-US" sz="1600" dirty="0"/>
-              <a:t>	Proceedings of the IEEE 86.11 (1998): 2278-2324.</a:t>
-            </a:r>
-            <a:endParaRPr lang="en-US" sz="1800" dirty="0"/>
-          </a:p>
-          <a:p>
-            <a:pPr>
-              <a:buClr>
-                <a:srgbClr val="000099"/>
-              </a:buClr>
-              <a:buFont typeface="Wingdings" pitchFamily="2" charset="2"/>
-              <a:buNone/>
-            </a:pPr>
-            <a:r>
-              <a:rPr lang="en-US" sz="600" dirty="0"/>
-              <a:t>   </a:t>
-            </a:r>
-            <a:endParaRPr lang="en-US" sz="1600" dirty="0"/>
-          </a:p>
-          <a:p>
-            <a:pPr>
-              <a:buClr>
-                <a:srgbClr val="000099"/>
-              </a:buClr>
-              <a:buFont typeface="Wingdings" pitchFamily="2" charset="2"/>
-              <a:buChar char="q"/>
-            </a:pPr>
-            <a:r>
-              <a:rPr lang="en-US" sz="1600" dirty="0"/>
-              <a:t> [Cnn2] Oord, Aaron van den, et al. "</a:t>
-            </a:r>
-            <a:r>
-              <a:rPr lang="en-US" sz="1600" dirty="0" err="1"/>
-              <a:t>Wavenet</a:t>
-            </a:r>
-            <a:r>
-              <a:rPr lang="en-US" sz="1600" dirty="0"/>
-              <a:t>: A generative model for raw audio." </a:t>
-            </a:r>
-          </a:p>
-          <a:p>
-            <a:pPr>
-              <a:buClr>
-                <a:srgbClr val="000099"/>
-              </a:buClr>
-            </a:pPr>
-            <a:r>
-              <a:rPr lang="en-US" sz="1600" dirty="0"/>
-              <a:t>	</a:t>
-            </a:r>
-            <a:r>
-              <a:rPr lang="en-US" sz="1600" dirty="0" err="1"/>
-              <a:t>arXiv</a:t>
-            </a:r>
-            <a:r>
-              <a:rPr lang="en-US" sz="1600" dirty="0"/>
-              <a:t> preprint arXiv:1609.03499 (2016).</a:t>
-            </a:r>
-            <a:endParaRPr lang="en-US" sz="600" dirty="0"/>
-          </a:p>
-        </p:txBody>
-      </p:sp>
-      <p:sp>
-        <p:nvSpPr>
-          <p:cNvPr id="794630" name="Text Box 6"/>
-          <p:cNvSpPr txBox="1">
-            <a:spLocks noChangeArrowheads="1"/>
-          </p:cNvSpPr>
-          <p:nvPr/>
-        </p:nvSpPr>
-        <p:spPr bwMode="auto">
-          <a:xfrm>
-            <a:off x="381000" y="3311099"/>
-            <a:ext cx="3480440" cy="369332"/>
-          </a:xfrm>
-          <a:prstGeom prst="rect">
-            <a:avLst/>
-          </a:prstGeom>
-          <a:noFill/>
-          <a:ln w="9525">
-            <a:noFill/>
-            <a:miter lim="800000"/>
-            <a:headEnd/>
-            <a:tailEnd/>
-          </a:ln>
-          <a:effectLst/>
-        </p:spPr>
-        <p:txBody>
-          <a:bodyPr wrap="none">
-            <a:spAutoFit/>
-          </a:bodyPr>
-          <a:lstStyle/>
-          <a:p>
-            <a:r>
-              <a:rPr lang="en-US" sz="1800" dirty="0"/>
-              <a:t>Convolutional Neural Networks :</a:t>
-            </a:r>
-          </a:p>
-        </p:txBody>
-      </p:sp>
-      <p:sp>
-        <p:nvSpPr>
-          <p:cNvPr id="794631" name="Text Box 7"/>
-          <p:cNvSpPr txBox="1">
-            <a:spLocks noChangeArrowheads="1"/>
-          </p:cNvSpPr>
-          <p:nvPr/>
-        </p:nvSpPr>
-        <p:spPr bwMode="auto">
-          <a:xfrm>
-            <a:off x="381000" y="5148105"/>
-            <a:ext cx="1005403" cy="369332"/>
-          </a:xfrm>
-          <a:prstGeom prst="rect">
-            <a:avLst/>
-          </a:prstGeom>
-          <a:noFill/>
-          <a:ln w="9525">
-            <a:noFill/>
-            <a:miter lim="800000"/>
-            <a:headEnd/>
-            <a:tailEnd/>
-          </a:ln>
-          <a:effectLst/>
-        </p:spPr>
-        <p:txBody>
-          <a:bodyPr wrap="none">
-            <a:spAutoFit/>
-          </a:bodyPr>
-          <a:lstStyle/>
-          <a:p>
-            <a:r>
-              <a:rPr lang="en-US" sz="1800" dirty="0"/>
-              <a:t>Images:</a:t>
-            </a:r>
-          </a:p>
-        </p:txBody>
-      </p:sp>
-      <p:sp>
-        <p:nvSpPr>
-          <p:cNvPr id="794632" name="Text Box 8"/>
-          <p:cNvSpPr txBox="1">
-            <a:spLocks noChangeArrowheads="1"/>
-          </p:cNvSpPr>
-          <p:nvPr/>
-        </p:nvSpPr>
-        <p:spPr bwMode="auto">
-          <a:xfrm>
-            <a:off x="779463" y="5517437"/>
-            <a:ext cx="7314182" cy="923330"/>
-          </a:xfrm>
-          <a:prstGeom prst="rect">
-            <a:avLst/>
-          </a:prstGeom>
-          <a:noFill/>
-          <a:ln w="9525">
-            <a:noFill/>
-            <a:miter lim="800000"/>
-            <a:headEnd/>
-            <a:tailEnd/>
-          </a:ln>
-          <a:effectLst/>
-        </p:spPr>
-        <p:txBody>
-          <a:bodyPr wrap="none">
-            <a:spAutoFit/>
-          </a:bodyPr>
-          <a:lstStyle/>
-          <a:p>
-            <a:pPr>
-              <a:buClr>
-                <a:srgbClr val="000099"/>
-              </a:buClr>
-              <a:buFont typeface="Wingdings" pitchFamily="2" charset="2"/>
-              <a:buChar char="q"/>
-            </a:pPr>
-            <a:r>
-              <a:rPr lang="en-US" sz="1600" dirty="0"/>
-              <a:t> [Im1] </a:t>
-            </a:r>
-            <a:r>
-              <a:rPr lang="en-DE" sz="1600" dirty="0"/>
-              <a:t>Michela </a:t>
-            </a:r>
-            <a:r>
-              <a:rPr lang="en-DE" sz="1600" dirty="0" err="1"/>
-              <a:t>Massi</a:t>
-            </a:r>
-            <a:r>
-              <a:rPr lang="en-DE" sz="1600" dirty="0"/>
-              <a:t> – </a:t>
-            </a:r>
-            <a:r>
-              <a:rPr lang="en-US" sz="1600" dirty="0"/>
-              <a:t>Own Work</a:t>
-            </a:r>
-            <a:r>
-              <a:rPr lang="en-DE" sz="1600" dirty="0"/>
-              <a:t>, CC BY-SA 4.0, </a:t>
-            </a:r>
-            <a:endParaRPr lang="en-US" sz="1600" dirty="0"/>
-          </a:p>
-          <a:p>
-            <a:pPr lvl="1">
-              <a:buClr>
-                <a:srgbClr val="000099"/>
-              </a:buClr>
-            </a:pPr>
-            <a:r>
-              <a:rPr lang="en-DE" sz="1600" dirty="0"/>
-              <a:t>https://commons.wikimedia.org/w/index.php?curid=80177333</a:t>
-            </a:r>
-            <a:r>
-              <a:rPr lang="en-US" sz="600" dirty="0"/>
-              <a:t>   </a:t>
-            </a:r>
-          </a:p>
-          <a:p>
-            <a:pPr>
-              <a:buClr>
-                <a:srgbClr val="000099"/>
-              </a:buClr>
-              <a:buFont typeface="Wingdings" pitchFamily="2" charset="2"/>
-              <a:buChar char="q"/>
-            </a:pPr>
-            <a:r>
-              <a:rPr lang="en-US" sz="1600" dirty="0">
-                <a:cs typeface="Times New Roman" pitchFamily="18" charset="0"/>
+            <a:pPr algn="ctr"/>
+            <a:r>
+              <a:rPr lang="en-US" sz="2400" b="1" dirty="0">
+                <a:solidFill>
+                  <a:schemeClr val="accent2"/>
+                </a:solidFill>
               </a:rPr>
-              <a:t> [lm2] Anh H. Reynolds – Own Work, https://anhreynolds.com/blogs/cnn.html</a:t>
-            </a:r>
-            <a:endParaRPr lang="en-US" sz="1600" dirty="0"/>
-          </a:p>
-          <a:p>
-            <a:pPr>
-              <a:buClr>
-                <a:srgbClr val="000099"/>
-              </a:buClr>
-              <a:buFont typeface="Wingdings" pitchFamily="2" charset="2"/>
-              <a:buNone/>
-            </a:pPr>
-            <a:r>
-              <a:rPr lang="en-US" sz="600" dirty="0"/>
-              <a:t>   </a:t>
-            </a:r>
-            <a:endParaRPr lang="en-US" sz="1600" dirty="0"/>
+              <a:t>https://github.com/JH2k00/VoiceConversion</a:t>
+            </a:r>
           </a:p>
         </p:txBody>
       </p:sp>
     </p:spTree>
+    <p:extLst>
+      <p:ext uri="{BB962C8B-B14F-4D97-AF65-F5344CB8AC3E}">
+        <p14:creationId xmlns:p14="http://schemas.microsoft.com/office/powerpoint/2010/main" val="631265081"/>
+      </p:ext>
+    </p:extLst>
   </p:cSld>
   <p:clrMapOvr>
     <a:masterClrMapping/>
   </p:clrMapOvr>
+  <p:timing>
+    <p:tnLst>
+      <p:par>
+        <p:cTn id="1" dur="indefinite" restart="never" nodeType="tmRoot">
+          <p:childTnLst>
+            <p:seq concurrent="1" nextAc="seek">
+              <p:cTn id="2" dur="indefinite" nodeType="mainSeq">
+                <p:childTnLst>
+                  <p:par>
+                    <p:cTn id="3" fill="hold">
+                      <p:stCondLst>
+                        <p:cond delay="indefinite"/>
+                      </p:stCondLst>
+                      <p:childTnLst>
+                        <p:par>
+                          <p:cTn id="4" fill="hold">
+                            <p:stCondLst>
+                              <p:cond delay="0"/>
+                            </p:stCondLst>
+                            <p:childTnLst>
+                              <p:par>
+                                <p:cTn id="5" presetID="26" presetClass="entr" presetSubtype="0" fill="hold" grpId="0" nodeType="clickEffect">
+                                  <p:stCondLst>
+                                    <p:cond delay="0"/>
+                                  </p:stCondLst>
+                                  <p:childTnLst>
+                                    <p:set>
+                                      <p:cBhvr>
+                                        <p:cTn id="6" dur="1" fill="hold">
+                                          <p:stCondLst>
+                                            <p:cond delay="0"/>
+                                          </p:stCondLst>
+                                        </p:cTn>
+                                        <p:tgtEl>
+                                          <p:spTgt spid="2"/>
+                                        </p:tgtEl>
+                                        <p:attrNameLst>
+                                          <p:attrName>style.visibility</p:attrName>
+                                        </p:attrNameLst>
+                                      </p:cBhvr>
+                                      <p:to>
+                                        <p:strVal val="visible"/>
+                                      </p:to>
+                                    </p:set>
+                                    <p:animEffect transition="in" filter="wipe(down)">
+                                      <p:cBhvr>
+                                        <p:cTn id="7" dur="580">
+                                          <p:stCondLst>
+                                            <p:cond delay="0"/>
+                                          </p:stCondLst>
+                                        </p:cTn>
+                                        <p:tgtEl>
+                                          <p:spTgt spid="2"/>
+                                        </p:tgtEl>
+                                      </p:cBhvr>
+                                    </p:animEffect>
+                                    <p:anim calcmode="lin" valueType="num">
+                                      <p:cBhvr>
+                                        <p:cTn id="8" dur="1822" tmFilter="0,0; 0.14,0.36; 0.43,0.73; 0.71,0.91; 1.0,1.0">
+                                          <p:stCondLst>
+                                            <p:cond delay="0"/>
+                                          </p:stCondLst>
+                                        </p:cTn>
+                                        <p:tgtEl>
+                                          <p:spTgt spid="2"/>
+                                        </p:tgtEl>
+                                        <p:attrNameLst>
+                                          <p:attrName>ppt_x</p:attrName>
+                                        </p:attrNameLst>
+                                      </p:cBhvr>
+                                      <p:tavLst>
+                                        <p:tav tm="0">
+                                          <p:val>
+                                            <p:strVal val="#ppt_x-0.25"/>
+                                          </p:val>
+                                        </p:tav>
+                                        <p:tav tm="100000">
+                                          <p:val>
+                                            <p:strVal val="#ppt_x"/>
+                                          </p:val>
+                                        </p:tav>
+                                      </p:tavLst>
+                                    </p:anim>
+                                    <p:anim calcmode="lin" valueType="num">
+                                      <p:cBhvr>
+                                        <p:cTn id="9" dur="664" tmFilter="0.0,0.0; 0.25,0.07; 0.50,0.2; 0.75,0.467; 1.0,1.0">
+                                          <p:stCondLst>
+                                            <p:cond delay="0"/>
+                                          </p:stCondLst>
+                                        </p:cTn>
+                                        <p:tgtEl>
+                                          <p:spTgt spid="2"/>
+                                        </p:tgtEl>
+                                        <p:attrNameLst>
+                                          <p:attrName>ppt_y</p:attrName>
+                                        </p:attrNameLst>
+                                      </p:cBhvr>
+                                      <p:tavLst>
+                                        <p:tav tm="0" fmla="#ppt_y-sin(pi*$)/3">
+                                          <p:val>
+                                            <p:fltVal val="0.5"/>
+                                          </p:val>
+                                        </p:tav>
+                                        <p:tav tm="100000">
+                                          <p:val>
+                                            <p:fltVal val="1"/>
+                                          </p:val>
+                                        </p:tav>
+                                      </p:tavLst>
+                                    </p:anim>
+                                    <p:anim calcmode="lin" valueType="num">
+                                      <p:cBhvr>
+                                        <p:cTn id="10" dur="664" tmFilter="0, 0; 0.125,0.2665; 0.25,0.4; 0.375,0.465; 0.5,0.5;  0.625,0.535; 0.75,0.6; 0.875,0.7335; 1,1">
+                                          <p:stCondLst>
+                                            <p:cond delay="664"/>
+                                          </p:stCondLst>
+                                        </p:cTn>
+                                        <p:tgtEl>
+                                          <p:spTgt spid="2"/>
+                                        </p:tgtEl>
+                                        <p:attrNameLst>
+                                          <p:attrName>ppt_y</p:attrName>
+                                        </p:attrNameLst>
+                                      </p:cBhvr>
+                                      <p:tavLst>
+                                        <p:tav tm="0" fmla="#ppt_y-sin(pi*$)/9">
+                                          <p:val>
+                                            <p:fltVal val="0"/>
+                                          </p:val>
+                                        </p:tav>
+                                        <p:tav tm="100000">
+                                          <p:val>
+                                            <p:fltVal val="1"/>
+                                          </p:val>
+                                        </p:tav>
+                                      </p:tavLst>
+                                    </p:anim>
+                                    <p:anim calcmode="lin" valueType="num">
+                                      <p:cBhvr>
+                                        <p:cTn id="11" dur="332" tmFilter="0, 0; 0.125,0.2665; 0.25,0.4; 0.375,0.465; 0.5,0.5;  0.625,0.535; 0.75,0.6; 0.875,0.7335; 1,1">
+                                          <p:stCondLst>
+                                            <p:cond delay="1324"/>
+                                          </p:stCondLst>
+                                        </p:cTn>
+                                        <p:tgtEl>
+                                          <p:spTgt spid="2"/>
+                                        </p:tgtEl>
+                                        <p:attrNameLst>
+                                          <p:attrName>ppt_y</p:attrName>
+                                        </p:attrNameLst>
+                                      </p:cBhvr>
+                                      <p:tavLst>
+                                        <p:tav tm="0" fmla="#ppt_y-sin(pi*$)/27">
+                                          <p:val>
+                                            <p:fltVal val="0"/>
+                                          </p:val>
+                                        </p:tav>
+                                        <p:tav tm="100000">
+                                          <p:val>
+                                            <p:fltVal val="1"/>
+                                          </p:val>
+                                        </p:tav>
+                                      </p:tavLst>
+                                    </p:anim>
+                                    <p:anim calcmode="lin" valueType="num">
+                                      <p:cBhvr>
+                                        <p:cTn id="12" dur="164" tmFilter="0, 0; 0.125,0.2665; 0.25,0.4; 0.375,0.465; 0.5,0.5;  0.625,0.535; 0.75,0.6; 0.875,0.7335; 1,1">
+                                          <p:stCondLst>
+                                            <p:cond delay="1656"/>
+                                          </p:stCondLst>
+                                        </p:cTn>
+                                        <p:tgtEl>
+                                          <p:spTgt spid="2"/>
+                                        </p:tgtEl>
+                                        <p:attrNameLst>
+                                          <p:attrName>ppt_y</p:attrName>
+                                        </p:attrNameLst>
+                                      </p:cBhvr>
+                                      <p:tavLst>
+                                        <p:tav tm="0" fmla="#ppt_y-sin(pi*$)/81">
+                                          <p:val>
+                                            <p:fltVal val="0"/>
+                                          </p:val>
+                                        </p:tav>
+                                        <p:tav tm="100000">
+                                          <p:val>
+                                            <p:fltVal val="1"/>
+                                          </p:val>
+                                        </p:tav>
+                                      </p:tavLst>
+                                    </p:anim>
+                                    <p:animScale>
+                                      <p:cBhvr>
+                                        <p:cTn id="13" dur="26">
+                                          <p:stCondLst>
+                                            <p:cond delay="650"/>
+                                          </p:stCondLst>
+                                        </p:cTn>
+                                        <p:tgtEl>
+                                          <p:spTgt spid="2"/>
+                                        </p:tgtEl>
+                                      </p:cBhvr>
+                                      <p:to x="100000" y="60000"/>
+                                    </p:animScale>
+                                    <p:animScale>
+                                      <p:cBhvr>
+                                        <p:cTn id="14" dur="166" decel="50000">
+                                          <p:stCondLst>
+                                            <p:cond delay="676"/>
+                                          </p:stCondLst>
+                                        </p:cTn>
+                                        <p:tgtEl>
+                                          <p:spTgt spid="2"/>
+                                        </p:tgtEl>
+                                      </p:cBhvr>
+                                      <p:to x="100000" y="100000"/>
+                                    </p:animScale>
+                                    <p:animScale>
+                                      <p:cBhvr>
+                                        <p:cTn id="15" dur="26">
+                                          <p:stCondLst>
+                                            <p:cond delay="1312"/>
+                                          </p:stCondLst>
+                                        </p:cTn>
+                                        <p:tgtEl>
+                                          <p:spTgt spid="2"/>
+                                        </p:tgtEl>
+                                      </p:cBhvr>
+                                      <p:to x="100000" y="80000"/>
+                                    </p:animScale>
+                                    <p:animScale>
+                                      <p:cBhvr>
+                                        <p:cTn id="16" dur="166" decel="50000">
+                                          <p:stCondLst>
+                                            <p:cond delay="1338"/>
+                                          </p:stCondLst>
+                                        </p:cTn>
+                                        <p:tgtEl>
+                                          <p:spTgt spid="2"/>
+                                        </p:tgtEl>
+                                      </p:cBhvr>
+                                      <p:to x="100000" y="100000"/>
+                                    </p:animScale>
+                                    <p:animScale>
+                                      <p:cBhvr>
+                                        <p:cTn id="17" dur="26">
+                                          <p:stCondLst>
+                                            <p:cond delay="1642"/>
+                                          </p:stCondLst>
+                                        </p:cTn>
+                                        <p:tgtEl>
+                                          <p:spTgt spid="2"/>
+                                        </p:tgtEl>
+                                      </p:cBhvr>
+                                      <p:to x="100000" y="90000"/>
+                                    </p:animScale>
+                                    <p:animScale>
+                                      <p:cBhvr>
+                                        <p:cTn id="18" dur="166" decel="50000">
+                                          <p:stCondLst>
+                                            <p:cond delay="1668"/>
+                                          </p:stCondLst>
+                                        </p:cTn>
+                                        <p:tgtEl>
+                                          <p:spTgt spid="2"/>
+                                        </p:tgtEl>
+                                      </p:cBhvr>
+                                      <p:to x="100000" y="100000"/>
+                                    </p:animScale>
+                                    <p:animScale>
+                                      <p:cBhvr>
+                                        <p:cTn id="19" dur="26">
+                                          <p:stCondLst>
+                                            <p:cond delay="1808"/>
+                                          </p:stCondLst>
+                                        </p:cTn>
+                                        <p:tgtEl>
+                                          <p:spTgt spid="2"/>
+                                        </p:tgtEl>
+                                      </p:cBhvr>
+                                      <p:to x="100000" y="95000"/>
+                                    </p:animScale>
+                                    <p:animScale>
+                                      <p:cBhvr>
+                                        <p:cTn id="20" dur="166" decel="50000">
+                                          <p:stCondLst>
+                                            <p:cond delay="1834"/>
+                                          </p:stCondLst>
+                                        </p:cTn>
+                                        <p:tgtEl>
+                                          <p:spTgt spid="2"/>
+                                        </p:tgtEl>
+                                      </p:cBhvr>
+                                      <p:to x="100000" y="100000"/>
+                                    </p:animScale>
+                                  </p:childTnLst>
+                                </p:cTn>
+                              </p:par>
+                            </p:childTnLst>
+                          </p:cTn>
+                        </p:par>
+                      </p:childTnLst>
+                    </p:cTn>
+                  </p:par>
+                  <p:par>
+                    <p:cTn id="21" fill="hold">
+                      <p:stCondLst>
+                        <p:cond delay="indefinite"/>
+                      </p:stCondLst>
+                      <p:childTnLst>
+                        <p:par>
+                          <p:cTn id="22" fill="hold">
+                            <p:stCondLst>
+                              <p:cond delay="0"/>
+                            </p:stCondLst>
+                            <p:childTnLst>
+                              <p:par>
+                                <p:cTn id="23" presetID="1" presetClass="entr" presetSubtype="0" fill="hold" grpId="0" nodeType="clickEffect">
+                                  <p:stCondLst>
+                                    <p:cond delay="0"/>
+                                  </p:stCondLst>
+                                  <p:childTnLst>
+                                    <p:set>
+                                      <p:cBhvr>
+                                        <p:cTn id="24" dur="1" fill="hold">
+                                          <p:stCondLst>
+                                            <p:cond delay="0"/>
+                                          </p:stCondLst>
+                                        </p:cTn>
+                                        <p:tgtEl>
+                                          <p:spTgt spid="3"/>
+                                        </p:tgtEl>
+                                        <p:attrNameLst>
+                                          <p:attrName>style.visibility</p:attrName>
+                                        </p:attrNameLst>
+                                      </p:cBhvr>
+                                      <p:to>
+                                        <p:strVal val="visible"/>
+                                      </p:to>
+                                    </p:set>
+                                  </p:childTnLst>
+                                </p:cTn>
+                              </p:par>
+                              <p:par>
+                                <p:cTn id="25" presetID="1" presetClass="entr" presetSubtype="0" fill="hold" grpId="0" nodeType="withEffect">
+                                  <p:stCondLst>
+                                    <p:cond delay="0"/>
+                                  </p:stCondLst>
+                                  <p:childTnLst>
+                                    <p:set>
+                                      <p:cBhvr>
+                                        <p:cTn id="26" dur="1" fill="hold">
+                                          <p:stCondLst>
+                                            <p:cond delay="0"/>
+                                          </p:stCondLst>
+                                        </p:cTn>
+                                        <p:tgtEl>
+                                          <p:spTgt spid="8"/>
+                                        </p:tgtEl>
+                                        <p:attrNameLst>
+                                          <p:attrName>style.visibility</p:attrName>
+                                        </p:attrNameLst>
+                                      </p:cBhvr>
+                                      <p:to>
+                                        <p:strVal val="visible"/>
+                                      </p:to>
+                                    </p:set>
+                                  </p:childTnLst>
+                                </p:cTn>
+                              </p:par>
+                            </p:childTnLst>
+                          </p:cTn>
+                        </p:par>
+                      </p:childTnLst>
+                    </p:cTn>
+                  </p:par>
+                </p:childTnLst>
+              </p:cTn>
+              <p:prevCondLst>
+                <p:cond evt="onPrev" delay="0">
+                  <p:tgtEl>
+                    <p:sldTgt/>
+                  </p:tgtEl>
+                </p:cond>
+              </p:prevCondLst>
+              <p:nextCondLst>
+                <p:cond evt="onNext" delay="0">
+                  <p:tgtEl>
+                    <p:sldTgt/>
+                  </p:tgtEl>
+                </p:cond>
+              </p:nextCondLst>
+            </p:seq>
+          </p:childTnLst>
+        </p:cTn>
+      </p:par>
+    </p:tnLst>
+    <p:bldLst>
+      <p:bldP spid="2" grpId="0"/>
+      <p:bldP spid="3" grpId="0" animBg="1"/>
+      <p:bldP spid="8" grpId="0" animBg="1"/>
+    </p:bldLst>
+  </p:timing>
 </p:sld>
 </file>
 
